--- a/資訊星球報告.pptx
+++ b/資訊星球報告.pptx
@@ -12,6 +12,7 @@
     <p:sldId id="260" r:id="rId6"/>
     <p:sldId id="261" r:id="rId7"/>
     <p:sldId id="262" r:id="rId8"/>
+    <p:sldId id="263" r:id="rId9"/>
   </p:sldIdLst>
   <p:sldSz cx="12192000" cy="6858000"/>
   <p:notesSz cx="6858000" cy="9144000"/>
@@ -265,7 +266,7 @@
           <a:p>
             <a:fld id="{1E6BCDA7-E073-48D0-9434-9738848B8A81}" type="datetimeFigureOut">
               <a:rPr lang="zh-TW" altLang="en-US" smtClean="0"/>
-              <a:t>2019/2/25</a:t>
+              <a:t>2019/2/26</a:t>
             </a:fld>
             <a:endParaRPr lang="zh-TW" altLang="en-US"/>
           </a:p>
@@ -463,7 +464,7 @@
           <a:p>
             <a:fld id="{1E6BCDA7-E073-48D0-9434-9738848B8A81}" type="datetimeFigureOut">
               <a:rPr lang="zh-TW" altLang="en-US" smtClean="0"/>
-              <a:t>2019/2/25</a:t>
+              <a:t>2019/2/26</a:t>
             </a:fld>
             <a:endParaRPr lang="zh-TW" altLang="en-US"/>
           </a:p>
@@ -671,7 +672,7 @@
           <a:p>
             <a:fld id="{1E6BCDA7-E073-48D0-9434-9738848B8A81}" type="datetimeFigureOut">
               <a:rPr lang="zh-TW" altLang="en-US" smtClean="0"/>
-              <a:t>2019/2/25</a:t>
+              <a:t>2019/2/26</a:t>
             </a:fld>
             <a:endParaRPr lang="zh-TW" altLang="en-US"/>
           </a:p>
@@ -869,7 +870,7 @@
           <a:p>
             <a:fld id="{1E6BCDA7-E073-48D0-9434-9738848B8A81}" type="datetimeFigureOut">
               <a:rPr lang="zh-TW" altLang="en-US" smtClean="0"/>
-              <a:t>2019/2/25</a:t>
+              <a:t>2019/2/26</a:t>
             </a:fld>
             <a:endParaRPr lang="zh-TW" altLang="en-US"/>
           </a:p>
@@ -1144,7 +1145,7 @@
           <a:p>
             <a:fld id="{1E6BCDA7-E073-48D0-9434-9738848B8A81}" type="datetimeFigureOut">
               <a:rPr lang="zh-TW" altLang="en-US" smtClean="0"/>
-              <a:t>2019/2/25</a:t>
+              <a:t>2019/2/26</a:t>
             </a:fld>
             <a:endParaRPr lang="zh-TW" altLang="en-US"/>
           </a:p>
@@ -1409,7 +1410,7 @@
           <a:p>
             <a:fld id="{1E6BCDA7-E073-48D0-9434-9738848B8A81}" type="datetimeFigureOut">
               <a:rPr lang="zh-TW" altLang="en-US" smtClean="0"/>
-              <a:t>2019/2/25</a:t>
+              <a:t>2019/2/26</a:t>
             </a:fld>
             <a:endParaRPr lang="zh-TW" altLang="en-US"/>
           </a:p>
@@ -1821,7 +1822,7 @@
           <a:p>
             <a:fld id="{1E6BCDA7-E073-48D0-9434-9738848B8A81}" type="datetimeFigureOut">
               <a:rPr lang="zh-TW" altLang="en-US" smtClean="0"/>
-              <a:t>2019/2/25</a:t>
+              <a:t>2019/2/26</a:t>
             </a:fld>
             <a:endParaRPr lang="zh-TW" altLang="en-US"/>
           </a:p>
@@ -1962,7 +1963,7 @@
           <a:p>
             <a:fld id="{1E6BCDA7-E073-48D0-9434-9738848B8A81}" type="datetimeFigureOut">
               <a:rPr lang="zh-TW" altLang="en-US" smtClean="0"/>
-              <a:t>2019/2/25</a:t>
+              <a:t>2019/2/26</a:t>
             </a:fld>
             <a:endParaRPr lang="zh-TW" altLang="en-US"/>
           </a:p>
@@ -2075,7 +2076,7 @@
           <a:p>
             <a:fld id="{1E6BCDA7-E073-48D0-9434-9738848B8A81}" type="datetimeFigureOut">
               <a:rPr lang="zh-TW" altLang="en-US" smtClean="0"/>
-              <a:t>2019/2/25</a:t>
+              <a:t>2019/2/26</a:t>
             </a:fld>
             <a:endParaRPr lang="zh-TW" altLang="en-US"/>
           </a:p>
@@ -2386,7 +2387,7 @@
           <a:p>
             <a:fld id="{1E6BCDA7-E073-48D0-9434-9738848B8A81}" type="datetimeFigureOut">
               <a:rPr lang="zh-TW" altLang="en-US" smtClean="0"/>
-              <a:t>2019/2/25</a:t>
+              <a:t>2019/2/26</a:t>
             </a:fld>
             <a:endParaRPr lang="zh-TW" altLang="en-US"/>
           </a:p>
@@ -2674,7 +2675,7 @@
           <a:p>
             <a:fld id="{1E6BCDA7-E073-48D0-9434-9738848B8A81}" type="datetimeFigureOut">
               <a:rPr lang="zh-TW" altLang="en-US" smtClean="0"/>
-              <a:t>2019/2/25</a:t>
+              <a:t>2019/2/26</a:t>
             </a:fld>
             <a:endParaRPr lang="zh-TW" altLang="en-US"/>
           </a:p>
@@ -2915,7 +2916,7 @@
           <a:p>
             <a:fld id="{1E6BCDA7-E073-48D0-9434-9738848B8A81}" type="datetimeFigureOut">
               <a:rPr lang="zh-TW" altLang="en-US" smtClean="0"/>
-              <a:t>2019/2/25</a:t>
+              <a:t>2019/2/26</a:t>
             </a:fld>
             <a:endParaRPr lang="zh-TW" altLang="en-US"/>
           </a:p>
@@ -3318,6 +3319,15 @@
 <file path=ppt/slides/slide1.xml><?xml version="1.0" encoding="utf-8"?>
 <p:sld xmlns:a="http://schemas.openxmlformats.org/drawingml/2006/main" xmlns:r="http://schemas.openxmlformats.org/officeDocument/2006/relationships" xmlns:p="http://schemas.openxmlformats.org/presentationml/2006/main">
   <p:cSld>
+    <p:bg>
+      <p:bgPr>
+        <a:blipFill>
+          <a:blip r:embed="rId2"/>
+          <a:tile tx="0" ty="0" sx="100000" sy="100000" flip="none" algn="tl"/>
+        </a:blipFill>
+        <a:effectLst/>
+      </p:bgPr>
+    </p:bg>
     <p:spTree>
       <p:nvGrpSpPr>
         <p:cNvPr id="1" name=""/>
@@ -3346,7 +3356,7 @@
         </p:nvSpPr>
         <p:spPr>
           <a:xfrm>
-            <a:off x="4074453" y="295199"/>
+            <a:off x="4074453" y="2197894"/>
             <a:ext cx="4043094" cy="1754326"/>
           </a:xfrm>
           <a:prstGeom prst="rect">
@@ -3398,9 +3408,35 @@
                   </a:outerShdw>
                 </a:effectLst>
               </a:rPr>
-              <a:t>簡介</a:t>
-            </a:r>
-            <a:endParaRPr lang="en-US" altLang="zh-TW" sz="5400" dirty="0">
+              <a:t>詳細教學</a:t>
+            </a:r>
+            <a:r>
+              <a:rPr lang="en-US" altLang="zh-TW" sz="2400" dirty="0">
+                <a:ln w="0"/>
+                <a:effectLst>
+                  <a:outerShdw blurRad="38100" dist="19050" dir="2700000" algn="tl" rotWithShape="0">
+                    <a:schemeClr val="dk1">
+                      <a:alpha val="40000"/>
+                    </a:schemeClr>
+                  </a:outerShdw>
+                </a:effectLst>
+              </a:rPr>
+              <a:t>by.</a:t>
+            </a:r>
+            <a:r>
+              <a:rPr lang="zh-TW" altLang="en-US" sz="2400" dirty="0">
+                <a:ln w="0"/>
+                <a:effectLst>
+                  <a:outerShdw blurRad="38100" dist="19050" dir="2700000" algn="tl" rotWithShape="0">
+                    <a:schemeClr val="dk1">
+                      <a:alpha val="40000"/>
+                    </a:schemeClr>
+                  </a:outerShdw>
+                </a:effectLst>
+              </a:rPr>
+              <a:t>隨風</a:t>
+            </a:r>
+            <a:endParaRPr lang="en-US" altLang="zh-TW" sz="2400" dirty="0">
               <a:ln w="0"/>
               <a:effectLst>
                 <a:outerShdw blurRad="38100" dist="19050" dir="2700000" algn="tl" rotWithShape="0">
@@ -3471,6 +3507,15 @@
 <file path=ppt/slides/slide2.xml><?xml version="1.0" encoding="utf-8"?>
 <p:sld xmlns:a="http://schemas.openxmlformats.org/drawingml/2006/main" xmlns:r="http://schemas.openxmlformats.org/officeDocument/2006/relationships" xmlns:p="http://schemas.openxmlformats.org/presentationml/2006/main">
   <p:cSld>
+    <p:bg>
+      <p:bgPr>
+        <a:blipFill>
+          <a:blip r:embed="rId2"/>
+          <a:tile tx="0" ty="0" sx="100000" sy="100000" flip="none" algn="tl"/>
+        </a:blipFill>
+        <a:effectLst/>
+      </p:bgPr>
+    </p:bg>
     <p:spTree>
       <p:nvGrpSpPr>
         <p:cNvPr id="1" name=""/>
@@ -3529,7 +3574,7 @@
           <p:nvPr/>
         </p:nvPicPr>
         <p:blipFill>
-          <a:blip r:embed="rId2"/>
+          <a:blip r:embed="rId3"/>
           <a:stretch>
             <a:fillRect/>
           </a:stretch>
@@ -3649,7 +3694,7 @@
           <p:nvPr/>
         </p:nvPicPr>
         <p:blipFill>
-          <a:blip r:embed="rId3"/>
+          <a:blip r:embed="rId4"/>
           <a:stretch>
             <a:fillRect/>
           </a:stretch>
@@ -3830,7 +3875,7 @@
           <p:nvPr/>
         </p:nvPicPr>
         <p:blipFill>
-          <a:blip r:embed="rId4"/>
+          <a:blip r:embed="rId5"/>
           <a:stretch>
             <a:fillRect/>
           </a:stretch>
@@ -4950,6 +4995,18 @@
 <file path=ppt/slides/slide4.xml><?xml version="1.0" encoding="utf-8"?>
 <p:sld xmlns:a="http://schemas.openxmlformats.org/drawingml/2006/main" xmlns:r="http://schemas.openxmlformats.org/officeDocument/2006/relationships" xmlns:p="http://schemas.openxmlformats.org/presentationml/2006/main">
   <p:cSld>
+    <p:bg>
+      <p:bgPr>
+        <a:blipFill dpi="0" rotWithShape="1">
+          <a:blip r:embed="rId2">
+            <a:lum/>
+          </a:blip>
+          <a:srcRect/>
+          <a:tile tx="0" ty="0" sx="100000" sy="100000" flip="none" algn="tl"/>
+        </a:blipFill>
+        <a:effectLst/>
+      </p:bgPr>
+    </p:bg>
     <p:spTree>
       <p:nvGrpSpPr>
         <p:cNvPr id="1" name=""/>
@@ -4979,36 +5036,6 @@
           <p:nvPr/>
         </p:nvPicPr>
         <p:blipFill>
-          <a:blip r:embed="rId2"/>
-          <a:stretch>
-            <a:fillRect/>
-          </a:stretch>
-        </p:blipFill>
-        <p:spPr>
-          <a:xfrm>
-            <a:off x="691457" y="2471440"/>
-            <a:ext cx="4159421" cy="3885688"/>
-          </a:xfrm>
-          <a:prstGeom prst="rect">
-            <a:avLst/>
-          </a:prstGeom>
-        </p:spPr>
-      </p:pic>
-      <p:pic>
-        <p:nvPicPr>
-          <p:cNvPr id="8" name="圖片 7">
-            <a:extLst>
-              <a:ext uri="{FF2B5EF4-FFF2-40B4-BE49-F238E27FC236}">
-                <a16:creationId xmlns:a16="http://schemas.microsoft.com/office/drawing/2014/main" id="{783272B3-38BF-4C74-A601-4953C0217E14}"/>
-              </a:ext>
-            </a:extLst>
-          </p:cNvPr>
-          <p:cNvPicPr>
-            <a:picLocks noChangeAspect="1"/>
-          </p:cNvPicPr>
-          <p:nvPr/>
-        </p:nvPicPr>
-        <p:blipFill>
           <a:blip r:embed="rId3"/>
           <a:stretch>
             <a:fillRect/>
@@ -5016,8 +5043,8 @@
         </p:blipFill>
         <p:spPr>
           <a:xfrm>
-            <a:off x="5073439" y="2471438"/>
-            <a:ext cx="6880873" cy="3885689"/>
+            <a:off x="691457" y="2471440"/>
+            <a:ext cx="4159421" cy="3885688"/>
           </a:xfrm>
           <a:prstGeom prst="rect">
             <a:avLst/>
@@ -5026,10 +5053,10 @@
       </p:pic>
       <p:pic>
         <p:nvPicPr>
-          <p:cNvPr id="18" name="圖片 17">
-            <a:extLst>
-              <a:ext uri="{FF2B5EF4-FFF2-40B4-BE49-F238E27FC236}">
-                <a16:creationId xmlns:a16="http://schemas.microsoft.com/office/drawing/2014/main" id="{73F454FC-38BC-413B-94B1-5C2A18FF65E5}"/>
+          <p:cNvPr id="8" name="圖片 7">
+            <a:extLst>
+              <a:ext uri="{FF2B5EF4-FFF2-40B4-BE49-F238E27FC236}">
+                <a16:creationId xmlns:a16="http://schemas.microsoft.com/office/drawing/2014/main" id="{783272B3-38BF-4C74-A601-4953C0217E14}"/>
               </a:ext>
             </a:extLst>
           </p:cNvPr>
@@ -5040,6 +5067,36 @@
         </p:nvPicPr>
         <p:blipFill>
           <a:blip r:embed="rId4"/>
+          <a:stretch>
+            <a:fillRect/>
+          </a:stretch>
+        </p:blipFill>
+        <p:spPr>
+          <a:xfrm>
+            <a:off x="5073439" y="2471438"/>
+            <a:ext cx="6880873" cy="3885689"/>
+          </a:xfrm>
+          <a:prstGeom prst="rect">
+            <a:avLst/>
+          </a:prstGeom>
+        </p:spPr>
+      </p:pic>
+      <p:pic>
+        <p:nvPicPr>
+          <p:cNvPr id="18" name="圖片 17">
+            <a:extLst>
+              <a:ext uri="{FF2B5EF4-FFF2-40B4-BE49-F238E27FC236}">
+                <a16:creationId xmlns:a16="http://schemas.microsoft.com/office/drawing/2014/main" id="{73F454FC-38BC-413B-94B1-5C2A18FF65E5}"/>
+              </a:ext>
+            </a:extLst>
+          </p:cNvPr>
+          <p:cNvPicPr>
+            <a:picLocks noChangeAspect="1"/>
+          </p:cNvPicPr>
+          <p:nvPr/>
+        </p:nvPicPr>
+        <p:blipFill>
+          <a:blip r:embed="rId5"/>
           <a:stretch>
             <a:fillRect/>
           </a:stretch>
@@ -6623,7 +6680,7 @@
           <a:lstStyle/>
           <a:p>
             <a:pPr algn="ctr"/>
-            <a:endParaRPr lang="zh-TW" altLang="en-US"/>
+            <a:endParaRPr lang="zh-TW" altLang="en-US" dirty="0"/>
           </a:p>
         </p:txBody>
       </p:sp>
@@ -6656,8 +6713,12 @@
           <a:lstStyle/>
           <a:p>
             <a:r>
+              <a:rPr lang="zh-TW" altLang="en-US" b="1" dirty="0"/>
+              <a:t>選擇</a:t>
+            </a:r>
+            <a:r>
               <a:rPr lang="zh-TW" altLang="en-US" dirty="0"/>
-              <a:t>選擇報名場次</a:t>
+              <a:t>報名場次</a:t>
             </a:r>
             <a:r>
               <a:rPr lang="en-US" altLang="zh-TW" dirty="0"/>
@@ -6697,8 +6758,8 @@
         </p:nvSpPr>
         <p:spPr>
           <a:xfrm>
-            <a:off x="535699" y="4523027"/>
-            <a:ext cx="4095737" cy="923330"/>
+            <a:off x="400212" y="4015605"/>
+            <a:ext cx="4403770" cy="2246769"/>
           </a:xfrm>
           <a:prstGeom prst="rect">
             <a:avLst/>
@@ -6712,51 +6773,87 @@
           <a:lstStyle/>
           <a:p>
             <a:r>
-              <a:rPr lang="zh-TW" altLang="en-US" dirty="0"/>
-              <a:t>完成後，回到視窗 </a:t>
-            </a:r>
-            <a:r>
-              <a:rPr lang="en-US" altLang="zh-TW" dirty="0"/>
+              <a:rPr lang="zh-TW" altLang="en-US" sz="2000" b="1" dirty="0"/>
+              <a:t>選擇場次完成後</a:t>
+            </a:r>
+            <a:r>
+              <a:rPr lang="en-US" altLang="zh-TW" sz="2000" b="1" dirty="0"/>
+              <a:t>(</a:t>
+            </a:r>
+            <a:r>
+              <a:rPr lang="zh-TW" altLang="en-US" sz="2000" b="1" dirty="0"/>
+              <a:t>出現預覽畫面</a:t>
+            </a:r>
+            <a:r>
+              <a:rPr lang="en-US" altLang="zh-TW" sz="2000" b="1" dirty="0"/>
+              <a:t>)</a:t>
+            </a:r>
+            <a:r>
+              <a:rPr lang="zh-TW" altLang="en-US" sz="2000" b="1" dirty="0"/>
+              <a:t>，</a:t>
+            </a:r>
+            <a:endParaRPr lang="en-US" altLang="zh-TW" sz="2000" b="1" dirty="0"/>
+          </a:p>
+          <a:p>
+            <a:r>
+              <a:rPr lang="zh-TW" altLang="en-US" sz="2000" dirty="0"/>
+              <a:t> 回到視窗 </a:t>
+            </a:r>
+            <a:r>
+              <a:rPr lang="en-US" altLang="zh-TW" sz="2000" dirty="0"/>
               <a:t>step.3</a:t>
             </a:r>
             <a:r>
-              <a:rPr lang="zh-TW" altLang="en-US" dirty="0"/>
+              <a:rPr lang="zh-TW" altLang="en-US" sz="2000" dirty="0"/>
               <a:t> 按下</a:t>
             </a:r>
             <a:r>
-              <a:rPr lang="en-US" altLang="zh-TW" dirty="0"/>
+              <a:rPr lang="en-US" altLang="zh-TW" sz="2000" dirty="0"/>
               <a:t>【</a:t>
             </a:r>
             <a:r>
-              <a:rPr lang="zh-TW" altLang="en-US" dirty="0"/>
+              <a:rPr lang="zh-TW" altLang="en-US" sz="2000" dirty="0"/>
               <a:t>填入</a:t>
             </a:r>
             <a:r>
-              <a:rPr lang="en-US" altLang="zh-TW" dirty="0"/>
+              <a:rPr lang="en-US" altLang="zh-TW" sz="2000" dirty="0"/>
               <a:t>】</a:t>
             </a:r>
           </a:p>
           <a:p>
-            <a:endParaRPr lang="en-US" altLang="zh-TW" dirty="0"/>
-          </a:p>
-          <a:p>
-            <a:r>
-              <a:rPr lang="zh-TW" altLang="en-US" dirty="0"/>
-              <a:t>  在馬上按下報名頁面的</a:t>
-            </a:r>
-            <a:r>
-              <a:rPr lang="en-US" altLang="zh-TW" dirty="0"/>
+            <a:endParaRPr lang="en-US" altLang="zh-TW" sz="2000" dirty="0"/>
+          </a:p>
+          <a:p>
+            <a:r>
+              <a:rPr lang="zh-TW" altLang="en-US" sz="2000" dirty="0"/>
+              <a:t>   </a:t>
+            </a:r>
+            <a:endParaRPr lang="en-US" altLang="zh-TW" sz="2000" dirty="0"/>
+          </a:p>
+          <a:p>
+            <a:endParaRPr lang="en-US" altLang="zh-TW" sz="2000" dirty="0"/>
+          </a:p>
+          <a:p>
+            <a:endParaRPr lang="en-US" altLang="zh-TW" sz="2000" dirty="0"/>
+          </a:p>
+          <a:p>
+            <a:r>
+              <a:rPr lang="zh-TW" altLang="en-US" sz="2000" dirty="0"/>
+              <a:t>  再馬上按下報名頁面的</a:t>
+            </a:r>
+            <a:r>
+              <a:rPr lang="en-US" altLang="zh-TW" sz="2000" dirty="0"/>
               <a:t>【</a:t>
             </a:r>
             <a:r>
-              <a:rPr lang="zh-TW" altLang="en-US" dirty="0"/>
+              <a:rPr lang="zh-TW" altLang="en-US" sz="2000" dirty="0"/>
               <a:t>報名檢測</a:t>
             </a:r>
             <a:r>
-              <a:rPr lang="en-US" altLang="zh-TW" dirty="0"/>
+              <a:rPr lang="en-US" altLang="zh-TW" sz="2000" dirty="0"/>
               <a:t>】</a:t>
             </a:r>
-            <a:endParaRPr lang="zh-TW" altLang="en-US" dirty="0"/>
+            <a:endParaRPr lang="zh-TW" altLang="en-US" sz="2000" dirty="0"/>
           </a:p>
         </p:txBody>
       </p:sp>
@@ -6796,6 +6893,209 @@
               </a:rPr>
               <a:t>開始報名流程</a:t>
             </a:r>
+          </a:p>
+        </p:txBody>
+      </p:sp>
+      <p:sp>
+        <p:nvSpPr>
+          <p:cNvPr id="3" name="文字方塊 2">
+            <a:extLst>
+              <a:ext uri="{FF2B5EF4-FFF2-40B4-BE49-F238E27FC236}">
+                <a16:creationId xmlns:a16="http://schemas.microsoft.com/office/drawing/2014/main" id="{87861CF5-6BB2-4C82-9248-D9B49CAC2CF0}"/>
+              </a:ext>
+            </a:extLst>
+          </p:cNvPr>
+          <p:cNvSpPr txBox="1"/>
+          <p:nvPr/>
+        </p:nvSpPr>
+        <p:spPr>
+          <a:xfrm>
+            <a:off x="4482120" y="1709757"/>
+            <a:ext cx="902811" cy="307777"/>
+          </a:xfrm>
+          <a:prstGeom prst="rect">
+            <a:avLst/>
+          </a:prstGeom>
+          <a:noFill/>
+        </p:spPr>
+        <p:txBody>
+          <a:bodyPr wrap="none" rtlCol="0">
+            <a:spAutoFit/>
+          </a:bodyPr>
+          <a:lstStyle/>
+          <a:p>
+            <a:r>
+              <a:rPr lang="zh-TW" altLang="en-US" sz="1400" b="1" dirty="0"/>
+              <a:t>預覽畫面</a:t>
+            </a:r>
+          </a:p>
+        </p:txBody>
+      </p:sp>
+      <p:pic>
+        <p:nvPicPr>
+          <p:cNvPr id="4" name="圖片 3">
+            <a:extLst>
+              <a:ext uri="{FF2B5EF4-FFF2-40B4-BE49-F238E27FC236}">
+                <a16:creationId xmlns:a16="http://schemas.microsoft.com/office/drawing/2014/main" id="{0C77254C-197E-4F14-9357-AB0943BB3F97}"/>
+              </a:ext>
+            </a:extLst>
+          </p:cNvPr>
+          <p:cNvPicPr>
+            <a:picLocks noChangeAspect="1"/>
+          </p:cNvPicPr>
+          <p:nvPr/>
+        </p:nvPicPr>
+        <p:blipFill>
+          <a:blip r:embed="rId4"/>
+          <a:stretch>
+            <a:fillRect/>
+          </a:stretch>
+        </p:blipFill>
+        <p:spPr>
+          <a:xfrm>
+            <a:off x="1371683" y="4832837"/>
+            <a:ext cx="2857500" cy="933450"/>
+          </a:xfrm>
+          <a:prstGeom prst="rect">
+            <a:avLst/>
+          </a:prstGeom>
+        </p:spPr>
+      </p:pic>
+      <p:sp>
+        <p:nvSpPr>
+          <p:cNvPr id="8" name="箭號: 向下 7">
+            <a:extLst>
+              <a:ext uri="{FF2B5EF4-FFF2-40B4-BE49-F238E27FC236}">
+                <a16:creationId xmlns:a16="http://schemas.microsoft.com/office/drawing/2014/main" id="{4AE555BB-DD3B-40E4-AE72-94B9AE73F992}"/>
+              </a:ext>
+            </a:extLst>
+          </p:cNvPr>
+          <p:cNvSpPr/>
+          <p:nvPr/>
+        </p:nvSpPr>
+        <p:spPr>
+          <a:xfrm>
+            <a:off x="3095538" y="4670048"/>
+            <a:ext cx="293614" cy="640706"/>
+          </a:xfrm>
+          <a:prstGeom prst="downArrow">
+            <a:avLst/>
+          </a:prstGeom>
+        </p:spPr>
+        <p:style>
+          <a:lnRef idx="2">
+            <a:schemeClr val="accent1">
+              <a:shade val="50000"/>
+            </a:schemeClr>
+          </a:lnRef>
+          <a:fillRef idx="1">
+            <a:schemeClr val="accent1"/>
+          </a:fillRef>
+          <a:effectRef idx="0">
+            <a:schemeClr val="accent1"/>
+          </a:effectRef>
+          <a:fontRef idx="minor">
+            <a:schemeClr val="lt1"/>
+          </a:fontRef>
+        </p:style>
+        <p:txBody>
+          <a:bodyPr rtlCol="0" anchor="ctr"/>
+          <a:lstStyle/>
+          <a:p>
+            <a:pPr algn="ctr"/>
+            <a:endParaRPr lang="zh-TW" altLang="en-US"/>
+          </a:p>
+        </p:txBody>
+      </p:sp>
+      <p:sp>
+        <p:nvSpPr>
+          <p:cNvPr id="11" name="箭號: 向右 10">
+            <a:extLst>
+              <a:ext uri="{FF2B5EF4-FFF2-40B4-BE49-F238E27FC236}">
+                <a16:creationId xmlns:a16="http://schemas.microsoft.com/office/drawing/2014/main" id="{E47F7F61-1390-4B87-BB01-ABE999EAA83F}"/>
+              </a:ext>
+            </a:extLst>
+          </p:cNvPr>
+          <p:cNvSpPr/>
+          <p:nvPr/>
+        </p:nvSpPr>
+        <p:spPr>
+          <a:xfrm rot="20817353">
+            <a:off x="4545745" y="5507746"/>
+            <a:ext cx="3707588" cy="225634"/>
+          </a:xfrm>
+          <a:prstGeom prst="rightArrow">
+            <a:avLst/>
+          </a:prstGeom>
+        </p:spPr>
+        <p:style>
+          <a:lnRef idx="2">
+            <a:schemeClr val="accent1">
+              <a:shade val="50000"/>
+            </a:schemeClr>
+          </a:lnRef>
+          <a:fillRef idx="1">
+            <a:schemeClr val="accent1"/>
+          </a:fillRef>
+          <a:effectRef idx="0">
+            <a:schemeClr val="accent1"/>
+          </a:effectRef>
+          <a:fontRef idx="minor">
+            <a:schemeClr val="lt1"/>
+          </a:fontRef>
+        </p:style>
+        <p:txBody>
+          <a:bodyPr rtlCol="0" anchor="ctr"/>
+          <a:lstStyle/>
+          <a:p>
+            <a:pPr algn="ctr"/>
+            <a:endParaRPr lang="zh-TW" altLang="en-US"/>
+          </a:p>
+        </p:txBody>
+      </p:sp>
+      <p:sp>
+        <p:nvSpPr>
+          <p:cNvPr id="13" name="箭號: 向下 12">
+            <a:extLst>
+              <a:ext uri="{FF2B5EF4-FFF2-40B4-BE49-F238E27FC236}">
+                <a16:creationId xmlns:a16="http://schemas.microsoft.com/office/drawing/2014/main" id="{C38ECD86-53D2-4837-B779-81AF119611BA}"/>
+              </a:ext>
+            </a:extLst>
+          </p:cNvPr>
+          <p:cNvSpPr/>
+          <p:nvPr/>
+        </p:nvSpPr>
+        <p:spPr>
+          <a:xfrm>
+            <a:off x="3094150" y="2991868"/>
+            <a:ext cx="295002" cy="894367"/>
+          </a:xfrm>
+          <a:prstGeom prst="downArrow">
+            <a:avLst/>
+          </a:prstGeom>
+        </p:spPr>
+        <p:style>
+          <a:lnRef idx="2">
+            <a:schemeClr val="accent1">
+              <a:shade val="50000"/>
+            </a:schemeClr>
+          </a:lnRef>
+          <a:fillRef idx="1">
+            <a:schemeClr val="accent1"/>
+          </a:fillRef>
+          <a:effectRef idx="0">
+            <a:schemeClr val="accent1"/>
+          </a:effectRef>
+          <a:fontRef idx="minor">
+            <a:schemeClr val="lt1"/>
+          </a:fontRef>
+        </p:style>
+        <p:txBody>
+          <a:bodyPr rtlCol="0" anchor="ctr"/>
+          <a:lstStyle/>
+          <a:p>
+            <a:pPr algn="ctr"/>
+            <a:endParaRPr lang="zh-TW" altLang="en-US"/>
           </a:p>
         </p:txBody>
       </p:sp>
@@ -6882,71 +7182,6 @@
       </p:pic>
       <p:sp>
         <p:nvSpPr>
-          <p:cNvPr id="10" name="框架 9">
-            <a:extLst>
-              <a:ext uri="{FF2B5EF4-FFF2-40B4-BE49-F238E27FC236}">
-                <a16:creationId xmlns:a16="http://schemas.microsoft.com/office/drawing/2014/main" id="{ACD31C56-FD45-40DB-B56E-136E0A30B36E}"/>
-              </a:ext>
-            </a:extLst>
-          </p:cNvPr>
-          <p:cNvSpPr/>
-          <p:nvPr/>
-        </p:nvSpPr>
-        <p:spPr>
-          <a:xfrm>
-            <a:off x="1814513" y="-162958"/>
-            <a:ext cx="8562975" cy="7020958"/>
-          </a:xfrm>
-          <a:prstGeom prst="frame">
-            <a:avLst/>
-          </a:prstGeom>
-          <a:solidFill>
-            <a:schemeClr val="bg2">
-              <a:lumMod val="50000"/>
-            </a:schemeClr>
-          </a:solidFill>
-          <a:ln>
-            <a:noFill/>
-          </a:ln>
-          <a:scene3d>
-            <a:camera prst="orthographicFront"/>
-            <a:lightRig rig="threePt" dir="t"/>
-          </a:scene3d>
-          <a:sp3d>
-            <a:bevelT w="101600" prst="riblet"/>
-          </a:sp3d>
-        </p:spPr>
-        <p:style>
-          <a:lnRef idx="2">
-            <a:schemeClr val="accent1">
-              <a:shade val="50000"/>
-            </a:schemeClr>
-          </a:lnRef>
-          <a:fillRef idx="1">
-            <a:schemeClr val="accent1"/>
-          </a:fillRef>
-          <a:effectRef idx="0">
-            <a:schemeClr val="accent1"/>
-          </a:effectRef>
-          <a:fontRef idx="minor">
-            <a:schemeClr val="lt1"/>
-          </a:fontRef>
-        </p:style>
-        <p:txBody>
-          <a:bodyPr rtlCol="0" anchor="ctr"/>
-          <a:lstStyle/>
-          <a:p>
-            <a:pPr algn="ctr"/>
-            <a:endParaRPr lang="zh-TW" altLang="en-US">
-              <a:solidFill>
-                <a:schemeClr val="tx1"/>
-              </a:solidFill>
-            </a:endParaRPr>
-          </a:p>
-        </p:txBody>
-      </p:sp>
-      <p:sp>
-        <p:nvSpPr>
           <p:cNvPr id="5" name="文字方塊 4">
             <a:extLst>
               <a:ext uri="{FF2B5EF4-FFF2-40B4-BE49-F238E27FC236}">
@@ -6974,7 +7209,11 @@
           <a:lstStyle/>
           <a:p>
             <a:r>
-              <a:rPr lang="zh-TW" altLang="en-US" sz="3200" dirty="0"/>
+              <a:rPr lang="zh-TW" altLang="en-US" sz="3200" dirty="0">
+                <a:highlight>
+                  <a:srgbClr val="FFFF00"/>
+                </a:highlight>
+              </a:rPr>
               <a:t>按下確認，即可馬上完成報名</a:t>
             </a:r>
           </a:p>
@@ -6990,6 +7229,732 @@
   <p:clrMapOvr>
     <a:masterClrMapping/>
   </p:clrMapOvr>
+</p:sld>
+</file>
+
+<file path=ppt/slides/slide8.xml><?xml version="1.0" encoding="utf-8"?>
+<p:sld xmlns:a="http://schemas.openxmlformats.org/drawingml/2006/main" xmlns:r="http://schemas.openxmlformats.org/officeDocument/2006/relationships" xmlns:p="http://schemas.openxmlformats.org/presentationml/2006/main">
+  <p:cSld>
+    <p:bg>
+      <p:bgPr>
+        <a:blipFill>
+          <a:blip r:embed="rId6"/>
+          <a:tile tx="0" ty="0" sx="100000" sy="100000" flip="none" algn="tl"/>
+        </a:blipFill>
+        <a:effectLst/>
+      </p:bgPr>
+    </p:bg>
+    <p:spTree>
+      <p:nvGrpSpPr>
+        <p:cNvPr id="1" name=""/>
+        <p:cNvGrpSpPr/>
+        <p:nvPr/>
+      </p:nvGrpSpPr>
+      <p:grpSpPr>
+        <a:xfrm>
+          <a:off x="0" y="0"/>
+          <a:ext cx="0" cy="0"/>
+          <a:chOff x="0" y="0"/>
+          <a:chExt cx="0" cy="0"/>
+        </a:xfrm>
+      </p:grpSpPr>
+      <p:pic>
+        <p:nvPicPr>
+          <p:cNvPr id="4" name="正常版">
+            <a:hlinkClick r:id="" action="ppaction://media"/>
+            <a:extLst>
+              <a:ext uri="{FF2B5EF4-FFF2-40B4-BE49-F238E27FC236}">
+                <a16:creationId xmlns:a16="http://schemas.microsoft.com/office/drawing/2014/main" id="{B723060E-9C88-4DC6-9531-004D2EB62AE6}"/>
+              </a:ext>
+            </a:extLst>
+          </p:cNvPr>
+          <p:cNvPicPr>
+            <a:picLocks noChangeAspect="1"/>
+          </p:cNvPicPr>
+          <p:nvPr>
+            <a:videoFile r:link="rId2"/>
+            <p:extLst>
+              <p:ext uri="{DAA4B4D4-6D71-4841-9C94-3DE7FCFB9230}">
+                <p14:media xmlns:p14="http://schemas.microsoft.com/office/powerpoint/2010/main" r:embed="rId1"/>
+              </p:ext>
+            </p:extLst>
+          </p:nvPr>
+        </p:nvPicPr>
+        <p:blipFill>
+          <a:blip r:embed="rId7"/>
+          <a:stretch>
+            <a:fillRect/>
+          </a:stretch>
+        </p:blipFill>
+        <p:spPr>
+          <a:xfrm>
+            <a:off x="0" y="0"/>
+            <a:ext cx="6096000" cy="3429000"/>
+          </a:xfrm>
+          <a:prstGeom prst="rect">
+            <a:avLst/>
+          </a:prstGeom>
+        </p:spPr>
+      </p:pic>
+      <p:pic>
+        <p:nvPicPr>
+          <p:cNvPr id="5" name="輔助版">
+            <a:hlinkClick r:id="" action="ppaction://media"/>
+            <a:extLst>
+              <a:ext uri="{FF2B5EF4-FFF2-40B4-BE49-F238E27FC236}">
+                <a16:creationId xmlns:a16="http://schemas.microsoft.com/office/drawing/2014/main" id="{7BEE0565-70AA-44A4-81BF-7CCBE83CEAF7}"/>
+              </a:ext>
+            </a:extLst>
+          </p:cNvPr>
+          <p:cNvPicPr>
+            <a:picLocks noChangeAspect="1"/>
+          </p:cNvPicPr>
+          <p:nvPr>
+            <a:videoFile r:link="rId4"/>
+            <p:extLst>
+              <p:ext uri="{DAA4B4D4-6D71-4841-9C94-3DE7FCFB9230}">
+                <p14:media xmlns:p14="http://schemas.microsoft.com/office/powerpoint/2010/main" r:embed="rId3"/>
+              </p:ext>
+            </p:extLst>
+          </p:nvPr>
+        </p:nvPicPr>
+        <p:blipFill>
+          <a:blip r:embed="rId8"/>
+          <a:stretch>
+            <a:fillRect/>
+          </a:stretch>
+        </p:blipFill>
+        <p:spPr>
+          <a:xfrm>
+            <a:off x="6095999" y="0"/>
+            <a:ext cx="6096000" cy="3429000"/>
+          </a:xfrm>
+          <a:prstGeom prst="rect">
+            <a:avLst/>
+          </a:prstGeom>
+        </p:spPr>
+      </p:pic>
+      <p:sp>
+        <p:nvSpPr>
+          <p:cNvPr id="6" name="文字方塊 5">
+            <a:extLst>
+              <a:ext uri="{FF2B5EF4-FFF2-40B4-BE49-F238E27FC236}">
+                <a16:creationId xmlns:a16="http://schemas.microsoft.com/office/drawing/2014/main" id="{E44C36DA-E218-4211-860D-3011F281926A}"/>
+              </a:ext>
+            </a:extLst>
+          </p:cNvPr>
+          <p:cNvSpPr txBox="1"/>
+          <p:nvPr/>
+        </p:nvSpPr>
+        <p:spPr>
+          <a:xfrm>
+            <a:off x="8796858" y="3623810"/>
+            <a:ext cx="877163" cy="369332"/>
+          </a:xfrm>
+          <a:prstGeom prst="rect">
+            <a:avLst/>
+          </a:prstGeom>
+          <a:noFill/>
+        </p:spPr>
+        <p:txBody>
+          <a:bodyPr wrap="square" rtlCol="0">
+            <a:spAutoFit/>
+          </a:bodyPr>
+          <a:lstStyle/>
+          <a:p>
+            <a:r>
+              <a:rPr lang="zh-TW" altLang="en-US" b="1" dirty="0"/>
+              <a:t>輔助版</a:t>
+            </a:r>
+          </a:p>
+        </p:txBody>
+      </p:sp>
+      <p:sp>
+        <p:nvSpPr>
+          <p:cNvPr id="7" name="文字方塊 6">
+            <a:extLst>
+              <a:ext uri="{FF2B5EF4-FFF2-40B4-BE49-F238E27FC236}">
+                <a16:creationId xmlns:a16="http://schemas.microsoft.com/office/drawing/2014/main" id="{ED93A9C9-10F6-4756-9512-30267D6AF84A}"/>
+              </a:ext>
+            </a:extLst>
+          </p:cNvPr>
+          <p:cNvSpPr txBox="1"/>
+          <p:nvPr/>
+        </p:nvSpPr>
+        <p:spPr>
+          <a:xfrm>
+            <a:off x="2609418" y="3683246"/>
+            <a:ext cx="877163" cy="369332"/>
+          </a:xfrm>
+          <a:prstGeom prst="rect">
+            <a:avLst/>
+          </a:prstGeom>
+          <a:noFill/>
+        </p:spPr>
+        <p:txBody>
+          <a:bodyPr wrap="none" rtlCol="0">
+            <a:spAutoFit/>
+          </a:bodyPr>
+          <a:lstStyle/>
+          <a:p>
+            <a:r>
+              <a:rPr lang="zh-TW" altLang="en-US" b="1" dirty="0"/>
+              <a:t>正常版</a:t>
+            </a:r>
+          </a:p>
+        </p:txBody>
+      </p:sp>
+      <p:sp>
+        <p:nvSpPr>
+          <p:cNvPr id="9" name="書卷: 水平 8">
+            <a:extLst>
+              <a:ext uri="{FF2B5EF4-FFF2-40B4-BE49-F238E27FC236}">
+                <a16:creationId xmlns:a16="http://schemas.microsoft.com/office/drawing/2014/main" id="{E1F08B09-6B89-4321-A8FB-9C2D4689B1B7}"/>
+              </a:ext>
+            </a:extLst>
+          </p:cNvPr>
+          <p:cNvSpPr/>
+          <p:nvPr/>
+        </p:nvSpPr>
+        <p:spPr>
+          <a:xfrm>
+            <a:off x="304799" y="3993142"/>
+            <a:ext cx="5486400" cy="1408176"/>
+          </a:xfrm>
+          <a:prstGeom prst="horizontalScroll">
+            <a:avLst/>
+          </a:prstGeom>
+          <a:noFill/>
+          <a:ln w="9525" cap="flat" cmpd="sng" algn="ctr">
+            <a:solidFill>
+              <a:schemeClr val="dk1"/>
+            </a:solidFill>
+            <a:prstDash val="solid"/>
+            <a:round/>
+            <a:headEnd type="none" w="med" len="med"/>
+            <a:tailEnd type="none" w="med" len="med"/>
+          </a:ln>
+        </p:spPr>
+        <p:style>
+          <a:lnRef idx="0">
+            <a:scrgbClr r="0" g="0" b="0"/>
+          </a:lnRef>
+          <a:fillRef idx="0">
+            <a:scrgbClr r="0" g="0" b="0"/>
+          </a:fillRef>
+          <a:effectRef idx="0">
+            <a:scrgbClr r="0" g="0" b="0"/>
+          </a:effectRef>
+          <a:fontRef idx="minor">
+            <a:schemeClr val="dk1"/>
+          </a:fontRef>
+        </p:style>
+        <p:txBody>
+          <a:bodyPr rtlCol="0" anchor="ctr"/>
+          <a:lstStyle/>
+          <a:p>
+            <a:pPr algn="ctr"/>
+            <a:r>
+              <a:rPr lang="zh-TW" altLang="en-US" sz="4400" dirty="0">
+                <a:solidFill>
+                  <a:schemeClr val="tx1">
+                    <a:lumMod val="65000"/>
+                    <a:lumOff val="35000"/>
+                  </a:schemeClr>
+                </a:solidFill>
+              </a:rPr>
+              <a:t>－敗－</a:t>
+            </a:r>
+          </a:p>
+        </p:txBody>
+      </p:sp>
+      <p:sp>
+        <p:nvSpPr>
+          <p:cNvPr id="11" name="書卷: 水平 10">
+            <a:extLst>
+              <a:ext uri="{FF2B5EF4-FFF2-40B4-BE49-F238E27FC236}">
+                <a16:creationId xmlns:a16="http://schemas.microsoft.com/office/drawing/2014/main" id="{BD01A651-98FE-458F-83AE-96C1FA942925}"/>
+              </a:ext>
+            </a:extLst>
+          </p:cNvPr>
+          <p:cNvSpPr/>
+          <p:nvPr/>
+        </p:nvSpPr>
+        <p:spPr>
+          <a:xfrm>
+            <a:off x="6492239" y="3808476"/>
+            <a:ext cx="5486400" cy="1408176"/>
+          </a:xfrm>
+          <a:prstGeom prst="horizontalScroll">
+            <a:avLst/>
+          </a:prstGeom>
+          <a:noFill/>
+          <a:ln w="9525" cap="flat" cmpd="sng" algn="ctr">
+            <a:solidFill>
+              <a:schemeClr val="accent2"/>
+            </a:solidFill>
+            <a:prstDash val="solid"/>
+            <a:round/>
+            <a:headEnd type="none" w="med" len="med"/>
+            <a:tailEnd type="none" w="med" len="med"/>
+          </a:ln>
+        </p:spPr>
+        <p:style>
+          <a:lnRef idx="0">
+            <a:scrgbClr r="0" g="0" b="0"/>
+          </a:lnRef>
+          <a:fillRef idx="0">
+            <a:scrgbClr r="0" g="0" b="0"/>
+          </a:fillRef>
+          <a:effectRef idx="0">
+            <a:scrgbClr r="0" g="0" b="0"/>
+          </a:effectRef>
+          <a:fontRef idx="minor">
+            <a:schemeClr val="accent2"/>
+          </a:fontRef>
+        </p:style>
+        <p:txBody>
+          <a:bodyPr rtlCol="0" anchor="ctr"/>
+          <a:lstStyle/>
+          <a:p>
+            <a:pPr algn="ctr"/>
+            <a:r>
+              <a:rPr lang="zh-TW" altLang="en-US" sz="4400" dirty="0">
+                <a:solidFill>
+                  <a:srgbClr val="FF0000"/>
+                </a:solidFill>
+              </a:rPr>
+              <a:t>＊勝＊</a:t>
+            </a:r>
+          </a:p>
+        </p:txBody>
+      </p:sp>
+      <p:sp>
+        <p:nvSpPr>
+          <p:cNvPr id="2" name="文字方塊 1">
+            <a:extLst>
+              <a:ext uri="{FF2B5EF4-FFF2-40B4-BE49-F238E27FC236}">
+                <a16:creationId xmlns:a16="http://schemas.microsoft.com/office/drawing/2014/main" id="{0A0E5327-CF82-4BF6-8A36-575C9D450048}"/>
+              </a:ext>
+            </a:extLst>
+          </p:cNvPr>
+          <p:cNvSpPr txBox="1"/>
+          <p:nvPr/>
+        </p:nvSpPr>
+        <p:spPr>
+          <a:xfrm>
+            <a:off x="4977744" y="5780794"/>
+            <a:ext cx="2236510" cy="707886"/>
+          </a:xfrm>
+          <a:prstGeom prst="rect">
+            <a:avLst/>
+          </a:prstGeom>
+          <a:noFill/>
+        </p:spPr>
+        <p:txBody>
+          <a:bodyPr wrap="none" rtlCol="0">
+            <a:spAutoFit/>
+          </a:bodyPr>
+          <a:lstStyle/>
+          <a:p>
+            <a:r>
+              <a:rPr lang="zh-TW" altLang="en-US" sz="4000" dirty="0">
+                <a:highlight>
+                  <a:srgbClr val="FFFF00"/>
+                </a:highlight>
+              </a:rPr>
+              <a:t>速度對比</a:t>
+            </a:r>
+          </a:p>
+        </p:txBody>
+      </p:sp>
+    </p:spTree>
+    <p:extLst>
+      <p:ext uri="{BB962C8B-B14F-4D97-AF65-F5344CB8AC3E}">
+        <p14:creationId xmlns:p14="http://schemas.microsoft.com/office/powerpoint/2010/main" val="3732019845"/>
+      </p:ext>
+    </p:extLst>
+  </p:cSld>
+  <p:clrMapOvr>
+    <a:masterClrMapping/>
+  </p:clrMapOvr>
+  <p:timing>
+    <p:tnLst>
+      <p:par>
+        <p:cTn id="1" dur="indefinite" restart="never" nodeType="tmRoot">
+          <p:childTnLst>
+            <p:seq concurrent="1" nextAc="seek">
+              <p:cTn id="2" dur="indefinite" nodeType="mainSeq">
+                <p:childTnLst>
+                  <p:par>
+                    <p:cTn id="3" fill="hold">
+                      <p:stCondLst>
+                        <p:cond delay="indefinite"/>
+                        <p:cond evt="onBegin" delay="0">
+                          <p:tn val="2"/>
+                        </p:cond>
+                      </p:stCondLst>
+                      <p:childTnLst>
+                        <p:par>
+                          <p:cTn id="4" fill="hold">
+                            <p:stCondLst>
+                              <p:cond delay="0"/>
+                            </p:stCondLst>
+                            <p:childTnLst>
+                              <p:par>
+                                <p:cTn id="5" presetID="1" presetClass="mediacall" presetSubtype="0" fill="hold" nodeType="afterEffect">
+                                  <p:stCondLst>
+                                    <p:cond delay="0"/>
+                                  </p:stCondLst>
+                                  <p:childTnLst>
+                                    <p:cmd type="call" cmd="playFrom(0.0)">
+                                      <p:cBhvr>
+                                        <p:cTn id="6" dur="4667" fill="hold"/>
+                                        <p:tgtEl>
+                                          <p:spTgt spid="5"/>
+                                        </p:tgtEl>
+                                      </p:cBhvr>
+                                    </p:cmd>
+                                  </p:childTnLst>
+                                </p:cTn>
+                              </p:par>
+                              <p:par>
+                                <p:cTn id="7" presetID="1" presetClass="mediacall" presetSubtype="0" fill="hold" nodeType="withEffect">
+                                  <p:stCondLst>
+                                    <p:cond delay="0"/>
+                                  </p:stCondLst>
+                                  <p:childTnLst>
+                                    <p:cmd type="call" cmd="playFrom(0.0)">
+                                      <p:cBhvr>
+                                        <p:cTn id="8" dur="4586" fill="hold"/>
+                                        <p:tgtEl>
+                                          <p:spTgt spid="4"/>
+                                        </p:tgtEl>
+                                      </p:cBhvr>
+                                    </p:cmd>
+                                  </p:childTnLst>
+                                </p:cTn>
+                              </p:par>
+                            </p:childTnLst>
+                          </p:cTn>
+                        </p:par>
+                        <p:par>
+                          <p:cTn id="9" fill="hold">
+                            <p:stCondLst>
+                              <p:cond delay="4667"/>
+                            </p:stCondLst>
+                            <p:childTnLst>
+                              <p:par>
+                                <p:cTn id="10" presetID="53" presetClass="entr" presetSubtype="16" fill="hold" grpId="0" nodeType="afterEffect">
+                                  <p:stCondLst>
+                                    <p:cond delay="0"/>
+                                  </p:stCondLst>
+                                  <p:childTnLst>
+                                    <p:set>
+                                      <p:cBhvr>
+                                        <p:cTn id="11" dur="1" fill="hold">
+                                          <p:stCondLst>
+                                            <p:cond delay="0"/>
+                                          </p:stCondLst>
+                                        </p:cTn>
+                                        <p:tgtEl>
+                                          <p:spTgt spid="11"/>
+                                        </p:tgtEl>
+                                        <p:attrNameLst>
+                                          <p:attrName>style.visibility</p:attrName>
+                                        </p:attrNameLst>
+                                      </p:cBhvr>
+                                      <p:to>
+                                        <p:strVal val="visible"/>
+                                      </p:to>
+                                    </p:set>
+                                    <p:anim calcmode="lin" valueType="num">
+                                      <p:cBhvr>
+                                        <p:cTn id="12" dur="500" fill="hold"/>
+                                        <p:tgtEl>
+                                          <p:spTgt spid="11"/>
+                                        </p:tgtEl>
+                                        <p:attrNameLst>
+                                          <p:attrName>ppt_w</p:attrName>
+                                        </p:attrNameLst>
+                                      </p:cBhvr>
+                                      <p:tavLst>
+                                        <p:tav tm="0">
+                                          <p:val>
+                                            <p:fltVal val="0"/>
+                                          </p:val>
+                                        </p:tav>
+                                        <p:tav tm="100000">
+                                          <p:val>
+                                            <p:strVal val="#ppt_w"/>
+                                          </p:val>
+                                        </p:tav>
+                                      </p:tavLst>
+                                    </p:anim>
+                                    <p:anim calcmode="lin" valueType="num">
+                                      <p:cBhvr>
+                                        <p:cTn id="13" dur="500" fill="hold"/>
+                                        <p:tgtEl>
+                                          <p:spTgt spid="11"/>
+                                        </p:tgtEl>
+                                        <p:attrNameLst>
+                                          <p:attrName>ppt_h</p:attrName>
+                                        </p:attrNameLst>
+                                      </p:cBhvr>
+                                      <p:tavLst>
+                                        <p:tav tm="0">
+                                          <p:val>
+                                            <p:fltVal val="0"/>
+                                          </p:val>
+                                        </p:tav>
+                                        <p:tav tm="100000">
+                                          <p:val>
+                                            <p:strVal val="#ppt_h"/>
+                                          </p:val>
+                                        </p:tav>
+                                      </p:tavLst>
+                                    </p:anim>
+                                    <p:animEffect transition="in" filter="fade">
+                                      <p:cBhvr>
+                                        <p:cTn id="14" dur="500"/>
+                                        <p:tgtEl>
+                                          <p:spTgt spid="11"/>
+                                        </p:tgtEl>
+                                      </p:cBhvr>
+                                    </p:animEffect>
+                                  </p:childTnLst>
+                                </p:cTn>
+                              </p:par>
+                              <p:par>
+                                <p:cTn id="15" presetID="53" presetClass="entr" presetSubtype="16" fill="hold" grpId="0" nodeType="withEffect">
+                                  <p:stCondLst>
+                                    <p:cond delay="0"/>
+                                  </p:stCondLst>
+                                  <p:childTnLst>
+                                    <p:set>
+                                      <p:cBhvr>
+                                        <p:cTn id="16" dur="1" fill="hold">
+                                          <p:stCondLst>
+                                            <p:cond delay="0"/>
+                                          </p:stCondLst>
+                                        </p:cTn>
+                                        <p:tgtEl>
+                                          <p:spTgt spid="9"/>
+                                        </p:tgtEl>
+                                        <p:attrNameLst>
+                                          <p:attrName>style.visibility</p:attrName>
+                                        </p:attrNameLst>
+                                      </p:cBhvr>
+                                      <p:to>
+                                        <p:strVal val="visible"/>
+                                      </p:to>
+                                    </p:set>
+                                    <p:anim calcmode="lin" valueType="num">
+                                      <p:cBhvr>
+                                        <p:cTn id="17" dur="500" fill="hold"/>
+                                        <p:tgtEl>
+                                          <p:spTgt spid="9"/>
+                                        </p:tgtEl>
+                                        <p:attrNameLst>
+                                          <p:attrName>ppt_w</p:attrName>
+                                        </p:attrNameLst>
+                                      </p:cBhvr>
+                                      <p:tavLst>
+                                        <p:tav tm="0">
+                                          <p:val>
+                                            <p:fltVal val="0"/>
+                                          </p:val>
+                                        </p:tav>
+                                        <p:tav tm="100000">
+                                          <p:val>
+                                            <p:strVal val="#ppt_w"/>
+                                          </p:val>
+                                        </p:tav>
+                                      </p:tavLst>
+                                    </p:anim>
+                                    <p:anim calcmode="lin" valueType="num">
+                                      <p:cBhvr>
+                                        <p:cTn id="18" dur="500" fill="hold"/>
+                                        <p:tgtEl>
+                                          <p:spTgt spid="9"/>
+                                        </p:tgtEl>
+                                        <p:attrNameLst>
+                                          <p:attrName>ppt_h</p:attrName>
+                                        </p:attrNameLst>
+                                      </p:cBhvr>
+                                      <p:tavLst>
+                                        <p:tav tm="0">
+                                          <p:val>
+                                            <p:fltVal val="0"/>
+                                          </p:val>
+                                        </p:tav>
+                                        <p:tav tm="100000">
+                                          <p:val>
+                                            <p:strVal val="#ppt_h"/>
+                                          </p:val>
+                                        </p:tav>
+                                      </p:tavLst>
+                                    </p:anim>
+                                    <p:animEffect transition="in" filter="fade">
+                                      <p:cBhvr>
+                                        <p:cTn id="19" dur="500"/>
+                                        <p:tgtEl>
+                                          <p:spTgt spid="9"/>
+                                        </p:tgtEl>
+                                      </p:cBhvr>
+                                    </p:animEffect>
+                                  </p:childTnLst>
+                                </p:cTn>
+                              </p:par>
+                            </p:childTnLst>
+                          </p:cTn>
+                        </p:par>
+                      </p:childTnLst>
+                    </p:cTn>
+                  </p:par>
+                </p:childTnLst>
+              </p:cTn>
+              <p:prevCondLst>
+                <p:cond evt="onPrev" delay="0">
+                  <p:tgtEl>
+                    <p:sldTgt/>
+                  </p:tgtEl>
+                </p:cond>
+              </p:prevCondLst>
+              <p:nextCondLst>
+                <p:cond evt="onNext" delay="0">
+                  <p:tgtEl>
+                    <p:sldTgt/>
+                  </p:tgtEl>
+                </p:cond>
+              </p:nextCondLst>
+            </p:seq>
+            <p:video>
+              <p:cMediaNode vol="80000">
+                <p:cTn id="20" fill="hold" display="0">
+                  <p:stCondLst>
+                    <p:cond delay="indefinite"/>
+                  </p:stCondLst>
+                </p:cTn>
+                <p:tgtEl>
+                  <p:spTgt spid="5"/>
+                </p:tgtEl>
+              </p:cMediaNode>
+            </p:video>
+            <p:seq concurrent="1" nextAc="seek">
+              <p:cTn id="21" restart="whenNotActive" fill="hold" evtFilter="cancelBubble" nodeType="interactiveSeq">
+                <p:stCondLst>
+                  <p:cond evt="onClick" delay="0">
+                    <p:tgtEl>
+                      <p:spTgt spid="5"/>
+                    </p:tgtEl>
+                  </p:cond>
+                </p:stCondLst>
+                <p:endSync evt="end" delay="0">
+                  <p:rtn val="all"/>
+                </p:endSync>
+                <p:childTnLst>
+                  <p:par>
+                    <p:cTn id="22" fill="hold">
+                      <p:stCondLst>
+                        <p:cond delay="0"/>
+                      </p:stCondLst>
+                      <p:childTnLst>
+                        <p:par>
+                          <p:cTn id="23" fill="hold">
+                            <p:stCondLst>
+                              <p:cond delay="0"/>
+                            </p:stCondLst>
+                            <p:childTnLst>
+                              <p:par>
+                                <p:cTn id="24" presetID="2" presetClass="mediacall" presetSubtype="0" fill="hold" nodeType="clickEffect">
+                                  <p:stCondLst>
+                                    <p:cond delay="0"/>
+                                  </p:stCondLst>
+                                  <p:childTnLst>
+                                    <p:cmd type="call" cmd="togglePause">
+                                      <p:cBhvr>
+                                        <p:cTn id="25" dur="1" fill="hold"/>
+                                        <p:tgtEl>
+                                          <p:spTgt spid="5"/>
+                                        </p:tgtEl>
+                                      </p:cBhvr>
+                                    </p:cmd>
+                                  </p:childTnLst>
+                                </p:cTn>
+                              </p:par>
+                            </p:childTnLst>
+                          </p:cTn>
+                        </p:par>
+                      </p:childTnLst>
+                    </p:cTn>
+                  </p:par>
+                  <p:par>
+                    <p:cTn id="26" fill="hold">
+                      <p:stCondLst>
+                        <p:cond delay="indefinite"/>
+                      </p:stCondLst>
+                      <p:childTnLst>
+                        <p:par>
+                          <p:cTn id="27" fill="hold">
+                            <p:stCondLst>
+                              <p:cond delay="0"/>
+                            </p:stCondLst>
+                            <p:childTnLst>
+                              <p:par>
+                                <p:cTn id="28" presetID="2" presetClass="mediacall" presetSubtype="0" fill="hold" nodeType="clickEffect">
+                                  <p:stCondLst>
+                                    <p:cond delay="0"/>
+                                  </p:stCondLst>
+                                  <p:childTnLst>
+                                    <p:cmd type="call" cmd="togglePause">
+                                      <p:cBhvr>
+                                        <p:cTn id="29" dur="1" fill="hold"/>
+                                        <p:tgtEl>
+                                          <p:spTgt spid="4"/>
+                                        </p:tgtEl>
+                                      </p:cBhvr>
+                                    </p:cmd>
+                                  </p:childTnLst>
+                                </p:cTn>
+                              </p:par>
+                            </p:childTnLst>
+                          </p:cTn>
+                        </p:par>
+                      </p:childTnLst>
+                    </p:cTn>
+                  </p:par>
+                </p:childTnLst>
+              </p:cTn>
+              <p:nextCondLst>
+                <p:cond evt="onClick" delay="0">
+                  <p:tgtEl>
+                    <p:spTgt spid="5"/>
+                  </p:tgtEl>
+                </p:cond>
+              </p:nextCondLst>
+            </p:seq>
+            <p:video>
+              <p:cMediaNode vol="80000">
+                <p:cTn id="30" fill="hold" display="0">
+                  <p:stCondLst>
+                    <p:cond delay="indefinite"/>
+                  </p:stCondLst>
+                </p:cTn>
+                <p:tgtEl>
+                  <p:spTgt spid="4"/>
+                </p:tgtEl>
+              </p:cMediaNode>
+            </p:video>
+          </p:childTnLst>
+        </p:cTn>
+      </p:par>
+    </p:tnLst>
+    <p:bldLst>
+      <p:bldP spid="9" grpId="0" animBg="1"/>
+      <p:bldP spid="11" grpId="0" animBg="1"/>
+    </p:bldLst>
+  </p:timing>
 </p:sld>
 </file>
 

--- a/資訊星球報告.pptx
+++ b/資訊星球報告.pptx
@@ -6266,6 +6266,56 @@
               <a:t>】</a:t>
             </a:r>
             <a:endParaRPr lang="zh-TW" altLang="en-US" dirty="0"/>
+          </a:p>
+        </p:txBody>
+      </p:sp>
+      <p:sp>
+        <p:nvSpPr>
+          <p:cNvPr id="2" name="箭號: 向下 1">
+            <a:extLst>
+              <a:ext uri="{FF2B5EF4-FFF2-40B4-BE49-F238E27FC236}">
+                <a16:creationId xmlns:a16="http://schemas.microsoft.com/office/drawing/2014/main" id="{D5FCCCE4-E634-4B69-AAB7-807F883C6B67}"/>
+              </a:ext>
+            </a:extLst>
+          </p:cNvPr>
+          <p:cNvSpPr/>
+          <p:nvPr/>
+        </p:nvSpPr>
+        <p:spPr>
+          <a:xfrm>
+            <a:off x="10094992" y="2582437"/>
+            <a:ext cx="606751" cy="2805588"/>
+          </a:xfrm>
+          <a:prstGeom prst="downArrow">
+            <a:avLst/>
+          </a:prstGeom>
+          <a:solidFill>
+            <a:schemeClr val="dk1"/>
+          </a:solidFill>
+          <a:ln>
+            <a:noFill/>
+          </a:ln>
+        </p:spPr>
+        <p:style>
+          <a:lnRef idx="0">
+            <a:scrgbClr r="0" g="0" b="0"/>
+          </a:lnRef>
+          <a:fillRef idx="0">
+            <a:scrgbClr r="0" g="0" b="0"/>
+          </a:fillRef>
+          <a:effectRef idx="0">
+            <a:scrgbClr r="0" g="0" b="0"/>
+          </a:effectRef>
+          <a:fontRef idx="minor">
+            <a:schemeClr val="lt1"/>
+          </a:fontRef>
+        </p:style>
+        <p:txBody>
+          <a:bodyPr rtlCol="0" anchor="ctr"/>
+          <a:lstStyle/>
+          <a:p>
+            <a:pPr algn="ctr"/>
+            <a:endParaRPr lang="zh-TW" altLang="en-US"/>
           </a:p>
         </p:txBody>
       </p:sp>
